--- a/CSE165_Pardi_Garza_Babul.pptx
+++ b/CSE165_Pardi_Garza_Babul.pptx
@@ -5,16 +5,17 @@
     <p:sldMasterId id="2147483696" r:id="rId4"/>
   </p:sldMasterIdLst>
   <p:notesMasterIdLst>
-    <p:notesMasterId r:id="rId12"/>
+    <p:notesMasterId r:id="rId13"/>
   </p:notesMasterIdLst>
   <p:sldIdLst>
     <p:sldId id="306" r:id="rId5"/>
     <p:sldId id="308" r:id="rId6"/>
     <p:sldId id="310" r:id="rId7"/>
-    <p:sldId id="309" r:id="rId8"/>
-    <p:sldId id="311" r:id="rId9"/>
-    <p:sldId id="312" r:id="rId10"/>
-    <p:sldId id="313" r:id="rId11"/>
+    <p:sldId id="314" r:id="rId8"/>
+    <p:sldId id="309" r:id="rId9"/>
+    <p:sldId id="311" r:id="rId10"/>
+    <p:sldId id="312" r:id="rId11"/>
+    <p:sldId id="313" r:id="rId12"/>
   </p:sldIdLst>
   <p:sldSz cx="12192000" cy="6858000"/>
   <p:notesSz cx="6858000" cy="9144000"/>
@@ -11806,6 +11807,222 @@
       </p:grpSpPr>
       <p:sp>
         <p:nvSpPr>
+          <p:cNvPr id="3" name="Title 2">
+            <a:extLst>
+              <a:ext uri="{FF2B5EF4-FFF2-40B4-BE49-F238E27FC236}">
+                <a16:creationId xmlns:a16="http://schemas.microsoft.com/office/drawing/2014/main" id="{B200BA1A-9FD3-B756-BBB2-263122A2AFB2}"/>
+              </a:ext>
+            </a:extLst>
+          </p:cNvPr>
+          <p:cNvSpPr>
+            <a:spLocks noGrp="1"/>
+          </p:cNvSpPr>
+          <p:nvPr>
+            <p:ph type="title"/>
+          </p:nvPr>
+        </p:nvSpPr>
+        <p:spPr>
+          <a:xfrm>
+            <a:off x="838200" y="485944"/>
+            <a:ext cx="6190488" cy="1179576"/>
+          </a:xfrm>
+        </p:spPr>
+        <p:txBody>
+          <a:bodyPr/>
+          <a:lstStyle/>
+          <a:p>
+            <a:r>
+              <a:rPr lang="en-US" dirty="0"/>
+              <a:t>Game Logic</a:t>
+            </a:r>
+          </a:p>
+        </p:txBody>
+      </p:sp>
+      <p:sp>
+        <p:nvSpPr>
+          <p:cNvPr id="4" name="Content Placeholder 3">
+            <a:extLst>
+              <a:ext uri="{FF2B5EF4-FFF2-40B4-BE49-F238E27FC236}">
+                <a16:creationId xmlns:a16="http://schemas.microsoft.com/office/drawing/2014/main" id="{B1664DE6-4C86-48C8-5085-29B179E1BA87}"/>
+              </a:ext>
+            </a:extLst>
+          </p:cNvPr>
+          <p:cNvSpPr>
+            <a:spLocks noGrp="1"/>
+          </p:cNvSpPr>
+          <p:nvPr>
+            <p:ph idx="1"/>
+          </p:nvPr>
+        </p:nvSpPr>
+        <p:spPr>
+          <a:xfrm>
+            <a:off x="838199" y="1837206"/>
+            <a:ext cx="10810875" cy="2915770"/>
+          </a:xfrm>
+        </p:spPr>
+        <p:txBody>
+          <a:bodyPr/>
+          <a:lstStyle/>
+          <a:p>
+            <a:endParaRPr lang="en-US" dirty="0"/>
+          </a:p>
+          <a:p>
+            <a:r>
+              <a:rPr lang="en-US" dirty="0"/>
+              <a:t>-&gt; Keyboard input determines snake direction of movement</a:t>
+            </a:r>
+          </a:p>
+          <a:p>
+            <a:r>
+              <a:rPr lang="en-US" dirty="0"/>
+              <a:t>-&gt; Snake is navigated to food</a:t>
+            </a:r>
+          </a:p>
+          <a:p>
+            <a:r>
+              <a:rPr lang="en-US" dirty="0"/>
+              <a:t>-&gt; Snake eats food and grow in size (score increased)</a:t>
+            </a:r>
+          </a:p>
+          <a:p>
+            <a:r>
+              <a:rPr lang="en-US"/>
+              <a:t>-&gt; repea</a:t>
+            </a:r>
+            <a:r>
+              <a:rPr lang="en-US" dirty="0"/>
+              <a:t>t</a:t>
+            </a:r>
+            <a:endParaRPr lang="en-US"/>
+          </a:p>
+          <a:p>
+            <a:endParaRPr lang="en-US" dirty="0"/>
+          </a:p>
+          <a:p>
+            <a:endParaRPr lang="en-US" dirty="0"/>
+          </a:p>
+        </p:txBody>
+      </p:sp>
+      <p:sp>
+        <p:nvSpPr>
+          <p:cNvPr id="6" name="Footer Placeholder 5">
+            <a:extLst>
+              <a:ext uri="{FF2B5EF4-FFF2-40B4-BE49-F238E27FC236}">
+                <a16:creationId xmlns:a16="http://schemas.microsoft.com/office/drawing/2014/main" id="{8DAD77DC-C1E5-A670-5D6F-D94FF9FCB1B5}"/>
+              </a:ext>
+            </a:extLst>
+          </p:cNvPr>
+          <p:cNvSpPr>
+            <a:spLocks noGrp="1"/>
+          </p:cNvSpPr>
+          <p:nvPr>
+            <p:ph type="ftr" sz="quarter" idx="11"/>
+          </p:nvPr>
+        </p:nvSpPr>
+        <p:spPr/>
+        <p:txBody>
+          <a:bodyPr/>
+          <a:lstStyle/>
+          <a:p>
+            <a:r>
+              <a:rPr lang="en-US" dirty="0"/>
+              <a:t>Snake with sdl2</a:t>
+            </a:r>
+          </a:p>
+        </p:txBody>
+      </p:sp>
+      <p:sp>
+        <p:nvSpPr>
+          <p:cNvPr id="7" name="Slide Number Placeholder 6">
+            <a:extLst>
+              <a:ext uri="{FF2B5EF4-FFF2-40B4-BE49-F238E27FC236}">
+                <a16:creationId xmlns:a16="http://schemas.microsoft.com/office/drawing/2014/main" id="{4A67ABCD-FBC6-635E-DB85-E01A36AC9521}"/>
+              </a:ext>
+            </a:extLst>
+          </p:cNvPr>
+          <p:cNvSpPr>
+            <a:spLocks noGrp="1"/>
+          </p:cNvSpPr>
+          <p:nvPr>
+            <p:ph type="sldNum" sz="quarter" idx="12"/>
+          </p:nvPr>
+        </p:nvSpPr>
+        <p:spPr/>
+        <p:txBody>
+          <a:bodyPr/>
+          <a:lstStyle/>
+          <a:p>
+            <a:fld id="{D8DA9DAA-006C-4F4B-980E-E3DF019B24E2}" type="slidenum">
+              <a:rPr lang="en-US" smtClean="0"/>
+              <a:pPr/>
+              <a:t>4</a:t>
+            </a:fld>
+            <a:endParaRPr lang="en-US" dirty="0"/>
+          </a:p>
+        </p:txBody>
+      </p:sp>
+      <p:pic>
+        <p:nvPicPr>
+          <p:cNvPr id="8" name="Picture 7">
+            <a:extLst>
+              <a:ext uri="{FF2B5EF4-FFF2-40B4-BE49-F238E27FC236}">
+                <a16:creationId xmlns:a16="http://schemas.microsoft.com/office/drawing/2014/main" id="{0CC907D2-0032-1337-0F02-A7036054A75B}"/>
+              </a:ext>
+            </a:extLst>
+          </p:cNvPr>
+          <p:cNvPicPr>
+            <a:picLocks noChangeAspect="1"/>
+          </p:cNvPicPr>
+          <p:nvPr/>
+        </p:nvPicPr>
+        <p:blipFill>
+          <a:blip r:embed="rId2"/>
+          <a:stretch>
+            <a:fillRect/>
+          </a:stretch>
+        </p:blipFill>
+        <p:spPr>
+          <a:xfrm>
+            <a:off x="3205049" y="4463890"/>
+            <a:ext cx="5781901" cy="2278749"/>
+          </a:xfrm>
+          <a:prstGeom prst="rect">
+            <a:avLst/>
+          </a:prstGeom>
+        </p:spPr>
+      </p:pic>
+    </p:spTree>
+    <p:extLst>
+      <p:ext uri="{BB962C8B-B14F-4D97-AF65-F5344CB8AC3E}">
+        <p14:creationId xmlns:p14="http://schemas.microsoft.com/office/powerpoint/2010/main" val="992575052"/>
+      </p:ext>
+    </p:extLst>
+  </p:cSld>
+  <p:clrMapOvr>
+    <a:masterClrMapping/>
+  </p:clrMapOvr>
+</p:sld>
+</file>
+
+<file path=ppt/slides/slide5.xml><?xml version="1.0" encoding="utf-8"?>
+<p:sld xmlns:a="http://schemas.openxmlformats.org/drawingml/2006/main" xmlns:r="http://schemas.openxmlformats.org/officeDocument/2006/relationships" xmlns:p="http://schemas.openxmlformats.org/presentationml/2006/main">
+  <p:cSld>
+    <p:spTree>
+      <p:nvGrpSpPr>
+        <p:cNvPr id="1" name=""/>
+        <p:cNvGrpSpPr/>
+        <p:nvPr/>
+      </p:nvGrpSpPr>
+      <p:grpSpPr>
+        <a:xfrm>
+          <a:off x="0" y="0"/>
+          <a:ext cx="0" cy="0"/>
+          <a:chOff x="0" y="0"/>
+          <a:chExt cx="0" cy="0"/>
+        </a:xfrm>
+      </p:grpSpPr>
+      <p:sp>
+        <p:nvSpPr>
           <p:cNvPr id="2" name="Picture Placeholder 1">
             <a:extLst>
               <a:ext uri="{FF2B5EF4-FFF2-40B4-BE49-F238E27FC236}">
@@ -11980,7 +12197,7 @@
             <a:fld id="{D8DA9DAA-006C-4F4B-980E-E3DF019B24E2}" type="slidenum">
               <a:rPr lang="en-US" smtClean="0"/>
               <a:pPr/>
-              <a:t>4</a:t>
+              <a:t>5</a:t>
             </a:fld>
             <a:endParaRPr lang="en-US" dirty="0"/>
           </a:p>
@@ -12028,7 +12245,7 @@
 </p:sld>
 </file>
 
-<file path=ppt/slides/slide5.xml><?xml version="1.0" encoding="utf-8"?>
+<file path=ppt/slides/slide6.xml><?xml version="1.0" encoding="utf-8"?>
 <p:sld xmlns:a="http://schemas.openxmlformats.org/drawingml/2006/main" xmlns:r="http://schemas.openxmlformats.org/officeDocument/2006/relationships" xmlns:p="http://schemas.openxmlformats.org/presentationml/2006/main">
   <p:cSld>
     <p:spTree>
@@ -12239,7 +12456,7 @@
             <a:fld id="{D8DA9DAA-006C-4F4B-980E-E3DF019B24E2}" type="slidenum">
               <a:rPr lang="en-US" smtClean="0"/>
               <a:pPr/>
-              <a:t>5</a:t>
+              <a:t>6</a:t>
             </a:fld>
             <a:endParaRPr lang="en-US" dirty="0"/>
           </a:p>
@@ -12287,7 +12504,7 @@
 </p:sld>
 </file>
 
-<file path=ppt/slides/slide6.xml><?xml version="1.0" encoding="utf-8"?>
+<file path=ppt/slides/slide7.xml><?xml version="1.0" encoding="utf-8"?>
 <p:sld xmlns:a="http://schemas.openxmlformats.org/drawingml/2006/main" xmlns:r="http://schemas.openxmlformats.org/officeDocument/2006/relationships" xmlns:p="http://schemas.openxmlformats.org/presentationml/2006/main">
   <p:cSld>
     <p:spTree>
@@ -12500,7 +12717,7 @@
             <a:fld id="{D8DA9DAA-006C-4F4B-980E-E3DF019B24E2}" type="slidenum">
               <a:rPr lang="en-US" smtClean="0"/>
               <a:pPr/>
-              <a:t>6</a:t>
+              <a:t>7</a:t>
             </a:fld>
             <a:endParaRPr lang="en-US" dirty="0"/>
           </a:p>
@@ -12548,7 +12765,7 @@
 </p:sld>
 </file>
 
-<file path=ppt/slides/slide7.xml><?xml version="1.0" encoding="utf-8"?>
+<file path=ppt/slides/slide8.xml><?xml version="1.0" encoding="utf-8"?>
 <p:sld xmlns:a="http://schemas.openxmlformats.org/drawingml/2006/main" xmlns:r="http://schemas.openxmlformats.org/officeDocument/2006/relationships" xmlns:p="http://schemas.openxmlformats.org/presentationml/2006/main">
   <p:cSld>
     <p:bg>
@@ -13311,24 +13528,6 @@
 </file>
 
 <file path=customXml/item1.xml><?xml version="1.0" encoding="utf-8"?>
-<p:properties xmlns:p="http://schemas.microsoft.com/office/2006/metadata/properties" xmlns:xsi="http://www.w3.org/2001/XMLSchema-instance" xmlns:pc="http://schemas.microsoft.com/office/infopath/2007/PartnerControls">
-  <documentManagement>
-    <Status xmlns="71af3243-3dd4-4a8d-8c0d-dd76da1f02a5">Not started</Status>
-    <MediaServiceKeyPoints xmlns="71af3243-3dd4-4a8d-8c0d-dd76da1f02a5" xsi:nil="true"/>
-  </documentManagement>
-</p:properties>
-</file>
-
-<file path=customXml/item2.xml><?xml version="1.0" encoding="utf-8"?>
-<?mso-contentType ?>
-<FormTemplates xmlns="http://schemas.microsoft.com/sharepoint/v3/contenttype/forms">
-  <Display>DocumentLibraryForm</Display>
-  <Edit>DocumentLibraryForm</Edit>
-  <New>DocumentLibraryForm</New>
-</FormTemplates>
-</file>
-
-<file path=customXml/item3.xml><?xml version="1.0" encoding="utf-8"?>
 <ct:contentTypeSchema xmlns:ct="http://schemas.microsoft.com/office/2006/metadata/contentType" xmlns:ma="http://schemas.microsoft.com/office/2006/metadata/properties/metaAttributes" ct:_="" ma:_="" ma:contentTypeName="Document" ma:contentTypeID="0x01010079F111ED35F8CC479449609E8A0923A6" ma:contentTypeVersion="12" ma:contentTypeDescription="Create a new document." ma:contentTypeScope="" ma:versionID="426e97fa315356fffbdcd9876fe988c2">
   <xsd:schema xmlns:xsd="http://www.w3.org/2001/XMLSchema" xmlns:xs="http://www.w3.org/2001/XMLSchema" xmlns:p="http://schemas.microsoft.com/office/2006/metadata/properties" xmlns:ns2="71af3243-3dd4-4a8d-8c0d-dd76da1f02a5" xmlns:ns3="16c05727-aa75-4e4a-9b5f-8a80a1165891" targetNamespace="http://schemas.microsoft.com/office/2006/metadata/properties" ma:root="true" ma:fieldsID="14b8f0def80e6d70ce3def20c90759ae" ns2:_="" ns3:_="">
     <xsd:import namespace="71af3243-3dd4-4a8d-8c0d-dd76da1f02a5"/>
@@ -13549,25 +13748,25 @@
 </ct:contentTypeSchema>
 </file>
 
-<file path=customXml/itemProps1.xml><?xml version="1.0" encoding="utf-8"?>
-<ds:datastoreItem xmlns:ds="http://schemas.openxmlformats.org/officeDocument/2006/customXml" ds:itemID="{99919F73-B6C2-4A43-95E2-833EC48925FE}">
-  <ds:schemaRefs>
-    <ds:schemaRef ds:uri="http://schemas.microsoft.com/office/2006/metadata/properties"/>
-    <ds:schemaRef ds:uri="http://schemas.microsoft.com/office/infopath/2007/PartnerControls"/>
-    <ds:schemaRef ds:uri="71af3243-3dd4-4a8d-8c0d-dd76da1f02a5"/>
-  </ds:schemaRefs>
-</ds:datastoreItem>
+<file path=customXml/item2.xml><?xml version="1.0" encoding="utf-8"?>
+<?mso-contentType ?>
+<FormTemplates xmlns="http://schemas.microsoft.com/sharepoint/v3/contenttype/forms">
+  <Display>DocumentLibraryForm</Display>
+  <Edit>DocumentLibraryForm</Edit>
+  <New>DocumentLibraryForm</New>
+</FormTemplates>
 </file>
 
-<file path=customXml/itemProps2.xml><?xml version="1.0" encoding="utf-8"?>
-<ds:datastoreItem xmlns:ds="http://schemas.openxmlformats.org/officeDocument/2006/customXml" ds:itemID="{3C8E00D1-8EA3-4E42-801D-0253E1EAFC21}">
-  <ds:schemaRefs>
-    <ds:schemaRef ds:uri="http://schemas.microsoft.com/sharepoint/v3/contenttype/forms"/>
-  </ds:schemaRefs>
-</ds:datastoreItem>
+<file path=customXml/item3.xml><?xml version="1.0" encoding="utf-8"?>
+<p:properties xmlns:p="http://schemas.microsoft.com/office/2006/metadata/properties" xmlns:xsi="http://www.w3.org/2001/XMLSchema-instance" xmlns:pc="http://schemas.microsoft.com/office/infopath/2007/PartnerControls">
+  <documentManagement>
+    <Status xmlns="71af3243-3dd4-4a8d-8c0d-dd76da1f02a5">Not started</Status>
+    <MediaServiceKeyPoints xmlns="71af3243-3dd4-4a8d-8c0d-dd76da1f02a5" xsi:nil="true"/>
+  </documentManagement>
+</p:properties>
 </file>
 
-<file path=customXml/itemProps3.xml><?xml version="1.0" encoding="utf-8"?>
+<file path=customXml/itemProps1.xml><?xml version="1.0" encoding="utf-8"?>
 <ds:datastoreItem xmlns:ds="http://schemas.openxmlformats.org/officeDocument/2006/customXml" ds:itemID="{ABC329F5-30EE-4BF7-AA2A-B837B51416B4}">
   <ds:schemaRefs>
     <ds:schemaRef ds:uri="http://schemas.microsoft.com/office/2006/metadata/contentType"/>
@@ -13584,4 +13783,22 @@
     <ds:schemaRef ds:uri="http://schemas.microsoft.com/internal/obd"/>
   </ds:schemaRefs>
 </ds:datastoreItem>
+</file>
+
+<file path=customXml/itemProps2.xml><?xml version="1.0" encoding="utf-8"?>
+<ds:datastoreItem xmlns:ds="http://schemas.openxmlformats.org/officeDocument/2006/customXml" ds:itemID="{3C8E00D1-8EA3-4E42-801D-0253E1EAFC21}">
+  <ds:schemaRefs>
+    <ds:schemaRef ds:uri="http://schemas.microsoft.com/sharepoint/v3/contenttype/forms"/>
+  </ds:schemaRefs>
+</ds:datastoreItem>
+</file>
+
+<file path=customXml/itemProps3.xml><?xml version="1.0" encoding="utf-8"?>
+<ds:datastoreItem xmlns:ds="http://schemas.openxmlformats.org/officeDocument/2006/customXml" ds:itemID="{99919F73-B6C2-4A43-95E2-833EC48925FE}">
+  <ds:schemaRefs>
+    <ds:schemaRef ds:uri="http://schemas.microsoft.com/office/2006/metadata/properties"/>
+    <ds:schemaRef ds:uri="http://schemas.microsoft.com/office/infopath/2007/PartnerControls"/>
+    <ds:schemaRef ds:uri="71af3243-3dd4-4a8d-8c0d-dd76da1f02a5"/>
+  </ds:schemaRefs>
+</ds:datastoreItem>
 </file>